--- a/CMPE 202.pptx
+++ b/CMPE 202.pptx
@@ -7,16 +7,21 @@
   <p:sldIdLst>
     <p:sldId id="256" r:id="rId2"/>
     <p:sldId id="262" r:id="rId3"/>
-    <p:sldId id="266" r:id="rId4"/>
-    <p:sldId id="267" r:id="rId5"/>
-    <p:sldId id="269" r:id="rId6"/>
-    <p:sldId id="268" r:id="rId7"/>
-    <p:sldId id="257" r:id="rId8"/>
-    <p:sldId id="259" r:id="rId9"/>
-    <p:sldId id="260" r:id="rId10"/>
-    <p:sldId id="264" r:id="rId11"/>
-    <p:sldId id="265" r:id="rId12"/>
-    <p:sldId id="263" r:id="rId13"/>
+    <p:sldId id="270" r:id="rId4"/>
+    <p:sldId id="257" r:id="rId5"/>
+    <p:sldId id="266" r:id="rId6"/>
+    <p:sldId id="267" r:id="rId7"/>
+    <p:sldId id="269" r:id="rId8"/>
+    <p:sldId id="268" r:id="rId9"/>
+    <p:sldId id="259" r:id="rId10"/>
+    <p:sldId id="271" r:id="rId11"/>
+    <p:sldId id="260" r:id="rId12"/>
+    <p:sldId id="273" r:id="rId13"/>
+    <p:sldId id="274" r:id="rId14"/>
+    <p:sldId id="264" r:id="rId15"/>
+    <p:sldId id="265" r:id="rId16"/>
+    <p:sldId id="275" r:id="rId17"/>
+    <p:sldId id="263" r:id="rId18"/>
   </p:sldIdLst>
   <p:sldSz cx="12192000" cy="6858000"/>
   <p:notesSz cx="6858000" cy="9144000"/>
@@ -115,6 +120,11 @@
       </a:defRPr>
     </a:lvl9pPr>
   </p:defaultTextStyle>
+  <p:extLst>
+    <p:ext uri="{EFAFB233-063F-42B5-8137-9DF3F51BA10A}">
+      <p15:sldGuideLst xmlns:p15="http://schemas.microsoft.com/office/powerpoint/2012/main"/>
+    </p:ext>
+  </p:extLst>
 </p:presentation>
 </file>
 
@@ -5963,45 +5973,40 @@
           <a:chExt cx="0" cy="0"/>
         </a:xfrm>
       </p:grpSpPr>
-      <p:sp>
-        <p:nvSpPr>
-          <p:cNvPr id="2" name="Title 1"/>
-          <p:cNvSpPr>
-            <a:spLocks noGrp="1"/>
-          </p:cNvSpPr>
-          <p:nvPr>
-            <p:ph type="title"/>
-          </p:nvPr>
-        </p:nvSpPr>
-        <p:spPr>
-          <a:xfrm>
-            <a:off x="1476633" y="2141837"/>
-            <a:ext cx="10131425" cy="1456267"/>
-          </a:xfrm>
-        </p:spPr>
-        <p:txBody>
-          <a:bodyPr>
-            <a:normAutofit/>
-          </a:bodyPr>
-          <a:lstStyle/>
-          <a:p>
-            <a:pPr algn="ctr"/>
-            <a:r>
-              <a:rPr lang="en-US" sz="4800" dirty="0" err="1" smtClean="0"/>
-              <a:t>Burndown</a:t>
-            </a:r>
-            <a:r>
-              <a:rPr lang="en-US" sz="4800" dirty="0" smtClean="0"/>
-              <a:t> Chart</a:t>
-            </a:r>
-            <a:endParaRPr lang="en-US" sz="4800" dirty="0"/>
-          </a:p>
-        </p:txBody>
-      </p:sp>
+      <p:pic>
+        <p:nvPicPr>
+          <p:cNvPr id="3" name="Picture 2"/>
+          <p:cNvPicPr>
+            <a:picLocks noChangeAspect="1"/>
+          </p:cNvPicPr>
+          <p:nvPr/>
+        </p:nvPicPr>
+        <p:blipFill>
+          <a:blip r:embed="rId2">
+            <a:extLst>
+              <a:ext uri="{28A0092B-C50C-407E-A947-70E740481C1C}">
+                <a14:useLocalDpi xmlns:a14="http://schemas.microsoft.com/office/drawing/2010/main" val="0"/>
+              </a:ext>
+            </a:extLst>
+          </a:blip>
+          <a:stretch>
+            <a:fillRect/>
+          </a:stretch>
+        </p:blipFill>
+        <p:spPr>
+          <a:xfrm>
+            <a:off x="1605450" y="0"/>
+            <a:ext cx="9252947" cy="6858000"/>
+          </a:xfrm>
+          <a:prstGeom prst="rect">
+            <a:avLst/>
+          </a:prstGeom>
+        </p:spPr>
+      </p:pic>
     </p:spTree>
     <p:extLst>
       <p:ext uri="{BB962C8B-B14F-4D97-AF65-F5344CB8AC3E}">
-        <p14:creationId xmlns:p14="http://schemas.microsoft.com/office/powerpoint/2010/main" val="4221072681"/>
+        <p14:creationId xmlns:p14="http://schemas.microsoft.com/office/powerpoint/2010/main" val="2791825500"/>
       </p:ext>
     </p:extLst>
   </p:cSld>
@@ -6059,12 +6064,382 @@
           <a:p>
             <a:pPr algn="ctr"/>
             <a:r>
-              <a:rPr lang="en-US" sz="4800" dirty="0" err="1" smtClean="0"/>
-              <a:t>ScrUM</a:t>
-            </a:r>
-            <a:r>
               <a:rPr lang="en-US" sz="4800" dirty="0" smtClean="0"/>
-              <a:t> BOARD</a:t>
+              <a:t>SEQUENCE </a:t>
+            </a:r>
+            <a:r>
+              <a:rPr lang="en-US" sz="4800" dirty="0" smtClean="0"/>
+              <a:t>Diagrams</a:t>
+            </a:r>
+            <a:endParaRPr lang="en-US" sz="4800" dirty="0"/>
+          </a:p>
+        </p:txBody>
+      </p:sp>
+    </p:spTree>
+    <p:extLst>
+      <p:ext uri="{BB962C8B-B14F-4D97-AF65-F5344CB8AC3E}">
+        <p14:creationId xmlns:p14="http://schemas.microsoft.com/office/powerpoint/2010/main" val="582024206"/>
+      </p:ext>
+    </p:extLst>
+  </p:cSld>
+  <p:clrMapOvr>
+    <a:masterClrMapping/>
+  </p:clrMapOvr>
+  <p:timing>
+    <p:tnLst>
+      <p:par>
+        <p:cTn id="1" dur="indefinite" restart="never" nodeType="tmRoot"/>
+      </p:par>
+    </p:tnLst>
+  </p:timing>
+</p:sld>
+</file>
+
+<file path=ppt/slides/slide12.xml><?xml version="1.0" encoding="utf-8"?>
+<p:sld xmlns:a="http://schemas.openxmlformats.org/drawingml/2006/main" xmlns:r="http://schemas.openxmlformats.org/officeDocument/2006/relationships" xmlns:p="http://schemas.openxmlformats.org/presentationml/2006/main">
+  <p:cSld>
+    <p:spTree>
+      <p:nvGrpSpPr>
+        <p:cNvPr id="1" name=""/>
+        <p:cNvGrpSpPr/>
+        <p:nvPr/>
+      </p:nvGrpSpPr>
+      <p:grpSpPr>
+        <a:xfrm>
+          <a:off x="0" y="0"/>
+          <a:ext cx="0" cy="0"/>
+          <a:chOff x="0" y="0"/>
+          <a:chExt cx="0" cy="0"/>
+        </a:xfrm>
+      </p:grpSpPr>
+      <p:pic>
+        <p:nvPicPr>
+          <p:cNvPr id="4" name="Picture 3"/>
+          <p:cNvPicPr>
+            <a:picLocks noChangeAspect="1"/>
+          </p:cNvPicPr>
+          <p:nvPr/>
+        </p:nvPicPr>
+        <p:blipFill>
+          <a:blip r:embed="rId2">
+            <a:extLst>
+              <a:ext uri="{28A0092B-C50C-407E-A947-70E740481C1C}">
+                <a14:useLocalDpi xmlns:a14="http://schemas.microsoft.com/office/drawing/2010/main" val="0"/>
+              </a:ext>
+            </a:extLst>
+          </a:blip>
+          <a:stretch>
+            <a:fillRect/>
+          </a:stretch>
+        </p:blipFill>
+        <p:spPr>
+          <a:xfrm>
+            <a:off x="1284852" y="148280"/>
+            <a:ext cx="10254268" cy="6549081"/>
+          </a:xfrm>
+          <a:prstGeom prst="rect">
+            <a:avLst/>
+          </a:prstGeom>
+        </p:spPr>
+      </p:pic>
+      <p:sp>
+        <p:nvSpPr>
+          <p:cNvPr id="7" name="Rounded Rectangle 6"/>
+          <p:cNvSpPr/>
+          <p:nvPr/>
+        </p:nvSpPr>
+        <p:spPr>
+          <a:xfrm>
+            <a:off x="0" y="2434281"/>
+            <a:ext cx="1161535" cy="1285104"/>
+          </a:xfrm>
+          <a:prstGeom prst="roundRect">
+            <a:avLst/>
+          </a:prstGeom>
+        </p:spPr>
+        <p:style>
+          <a:lnRef idx="2">
+            <a:schemeClr val="accent1">
+              <a:shade val="50000"/>
+            </a:schemeClr>
+          </a:lnRef>
+          <a:fillRef idx="1">
+            <a:schemeClr val="accent1"/>
+          </a:fillRef>
+          <a:effectRef idx="0">
+            <a:schemeClr val="accent1"/>
+          </a:effectRef>
+          <a:fontRef idx="minor">
+            <a:schemeClr val="lt1"/>
+          </a:fontRef>
+        </p:style>
+        <p:txBody>
+          <a:bodyPr rtlCol="0" anchor="ctr"/>
+          <a:lstStyle/>
+          <a:p>
+            <a:pPr algn="ctr"/>
+            <a:r>
+              <a:rPr lang="en-US" dirty="0" smtClean="0"/>
+              <a:t>Level</a:t>
+            </a:r>
+            <a:r>
+              <a:rPr lang="en-US" dirty="0" smtClean="0"/>
+              <a:t> Upgrade</a:t>
+            </a:r>
+            <a:endParaRPr lang="en-US" dirty="0"/>
+          </a:p>
+        </p:txBody>
+      </p:sp>
+    </p:spTree>
+    <p:extLst>
+      <p:ext uri="{BB962C8B-B14F-4D97-AF65-F5344CB8AC3E}">
+        <p14:creationId xmlns:p14="http://schemas.microsoft.com/office/powerpoint/2010/main" val="2610809742"/>
+      </p:ext>
+    </p:extLst>
+  </p:cSld>
+  <p:clrMapOvr>
+    <a:masterClrMapping/>
+  </p:clrMapOvr>
+  <p:timing>
+    <p:tnLst>
+      <p:par>
+        <p:cTn id="1" dur="indefinite" restart="never" nodeType="tmRoot"/>
+      </p:par>
+    </p:tnLst>
+  </p:timing>
+</p:sld>
+</file>
+
+<file path=ppt/slides/slide13.xml><?xml version="1.0" encoding="utf-8"?>
+<p:sld xmlns:a="http://schemas.openxmlformats.org/drawingml/2006/main" xmlns:r="http://schemas.openxmlformats.org/officeDocument/2006/relationships" xmlns:p="http://schemas.openxmlformats.org/presentationml/2006/main">
+  <p:cSld>
+    <p:spTree>
+      <p:nvGrpSpPr>
+        <p:cNvPr id="1" name=""/>
+        <p:cNvGrpSpPr/>
+        <p:nvPr/>
+      </p:nvGrpSpPr>
+      <p:grpSpPr>
+        <a:xfrm>
+          <a:off x="0" y="0"/>
+          <a:ext cx="0" cy="0"/>
+          <a:chOff x="0" y="0"/>
+          <a:chExt cx="0" cy="0"/>
+        </a:xfrm>
+      </p:grpSpPr>
+      <p:sp>
+        <p:nvSpPr>
+          <p:cNvPr id="7" name="Rounded Rectangle 6"/>
+          <p:cNvSpPr/>
+          <p:nvPr/>
+        </p:nvSpPr>
+        <p:spPr>
+          <a:xfrm>
+            <a:off x="0" y="2434281"/>
+            <a:ext cx="1161535" cy="1285104"/>
+          </a:xfrm>
+          <a:prstGeom prst="roundRect">
+            <a:avLst/>
+          </a:prstGeom>
+        </p:spPr>
+        <p:style>
+          <a:lnRef idx="2">
+            <a:schemeClr val="accent1">
+              <a:shade val="50000"/>
+            </a:schemeClr>
+          </a:lnRef>
+          <a:fillRef idx="1">
+            <a:schemeClr val="accent1"/>
+          </a:fillRef>
+          <a:effectRef idx="0">
+            <a:schemeClr val="accent1"/>
+          </a:effectRef>
+          <a:fontRef idx="minor">
+            <a:schemeClr val="lt1"/>
+          </a:fontRef>
+        </p:style>
+        <p:txBody>
+          <a:bodyPr rtlCol="0" anchor="ctr"/>
+          <a:lstStyle/>
+          <a:p>
+            <a:pPr algn="ctr"/>
+            <a:r>
+              <a:rPr lang="en-US" dirty="0" smtClean="0"/>
+              <a:t>Upgrade Score</a:t>
+            </a:r>
+            <a:endParaRPr lang="en-US" dirty="0"/>
+          </a:p>
+        </p:txBody>
+      </p:sp>
+      <p:pic>
+        <p:nvPicPr>
+          <p:cNvPr id="2" name="Picture 1"/>
+          <p:cNvPicPr>
+            <a:picLocks noChangeAspect="1"/>
+          </p:cNvPicPr>
+          <p:nvPr/>
+        </p:nvPicPr>
+        <p:blipFill>
+          <a:blip r:embed="rId2">
+            <a:extLst>
+              <a:ext uri="{28A0092B-C50C-407E-A947-70E740481C1C}">
+                <a14:useLocalDpi xmlns:a14="http://schemas.microsoft.com/office/drawing/2010/main" val="0"/>
+              </a:ext>
+            </a:extLst>
+          </a:blip>
+          <a:stretch>
+            <a:fillRect/>
+          </a:stretch>
+        </p:blipFill>
+        <p:spPr>
+          <a:xfrm>
+            <a:off x="1773809" y="1000897"/>
+            <a:ext cx="9837423" cy="4792267"/>
+          </a:xfrm>
+          <a:prstGeom prst="rect">
+            <a:avLst/>
+          </a:prstGeom>
+        </p:spPr>
+      </p:pic>
+    </p:spTree>
+    <p:extLst>
+      <p:ext uri="{BB962C8B-B14F-4D97-AF65-F5344CB8AC3E}">
+        <p14:creationId xmlns:p14="http://schemas.microsoft.com/office/powerpoint/2010/main" val="3149306971"/>
+      </p:ext>
+    </p:extLst>
+  </p:cSld>
+  <p:clrMapOvr>
+    <a:masterClrMapping/>
+  </p:clrMapOvr>
+  <p:timing>
+    <p:tnLst>
+      <p:par>
+        <p:cTn id="1" dur="indefinite" restart="never" nodeType="tmRoot"/>
+      </p:par>
+    </p:tnLst>
+  </p:timing>
+</p:sld>
+</file>
+
+<file path=ppt/slides/slide14.xml><?xml version="1.0" encoding="utf-8"?>
+<p:sld xmlns:a="http://schemas.openxmlformats.org/drawingml/2006/main" xmlns:r="http://schemas.openxmlformats.org/officeDocument/2006/relationships" xmlns:p="http://schemas.openxmlformats.org/presentationml/2006/main">
+  <p:cSld>
+    <p:spTree>
+      <p:nvGrpSpPr>
+        <p:cNvPr id="1" name=""/>
+        <p:cNvGrpSpPr/>
+        <p:nvPr/>
+      </p:nvGrpSpPr>
+      <p:grpSpPr>
+        <a:xfrm>
+          <a:off x="0" y="0"/>
+          <a:ext cx="0" cy="0"/>
+          <a:chOff x="0" y="0"/>
+          <a:chExt cx="0" cy="0"/>
+        </a:xfrm>
+      </p:grpSpPr>
+      <p:sp>
+        <p:nvSpPr>
+          <p:cNvPr id="2" name="Title 1"/>
+          <p:cNvSpPr>
+            <a:spLocks noGrp="1"/>
+          </p:cNvSpPr>
+          <p:nvPr>
+            <p:ph type="title"/>
+          </p:nvPr>
+        </p:nvSpPr>
+        <p:spPr>
+          <a:xfrm>
+            <a:off x="1476633" y="2141837"/>
+            <a:ext cx="10131425" cy="1456267"/>
+          </a:xfrm>
+        </p:spPr>
+        <p:txBody>
+          <a:bodyPr>
+            <a:normAutofit/>
+          </a:bodyPr>
+          <a:lstStyle/>
+          <a:p>
+            <a:pPr algn="ctr"/>
+            <a:r>
+              <a:rPr lang="en-US" sz="4800" smtClean="0"/>
+              <a:t>Burn down </a:t>
+            </a:r>
+            <a:r>
+              <a:rPr lang="en-US" sz="4800" dirty="0" smtClean="0"/>
+              <a:t>Chart</a:t>
+            </a:r>
+            <a:endParaRPr lang="en-US" sz="4800" dirty="0"/>
+          </a:p>
+        </p:txBody>
+      </p:sp>
+    </p:spTree>
+    <p:extLst>
+      <p:ext uri="{BB962C8B-B14F-4D97-AF65-F5344CB8AC3E}">
+        <p14:creationId xmlns:p14="http://schemas.microsoft.com/office/powerpoint/2010/main" val="4221072681"/>
+      </p:ext>
+    </p:extLst>
+  </p:cSld>
+  <p:clrMapOvr>
+    <a:masterClrMapping/>
+  </p:clrMapOvr>
+  <p:timing>
+    <p:tnLst>
+      <p:par>
+        <p:cTn id="1" dur="indefinite" restart="never" nodeType="tmRoot"/>
+      </p:par>
+    </p:tnLst>
+  </p:timing>
+</p:sld>
+</file>
+
+<file path=ppt/slides/slide15.xml><?xml version="1.0" encoding="utf-8"?>
+<p:sld xmlns:a="http://schemas.openxmlformats.org/drawingml/2006/main" xmlns:r="http://schemas.openxmlformats.org/officeDocument/2006/relationships" xmlns:p="http://schemas.openxmlformats.org/presentationml/2006/main">
+  <p:cSld>
+    <p:spTree>
+      <p:nvGrpSpPr>
+        <p:cNvPr id="1" name=""/>
+        <p:cNvGrpSpPr/>
+        <p:nvPr/>
+      </p:nvGrpSpPr>
+      <p:grpSpPr>
+        <a:xfrm>
+          <a:off x="0" y="0"/>
+          <a:ext cx="0" cy="0"/>
+          <a:chOff x="0" y="0"/>
+          <a:chExt cx="0" cy="0"/>
+        </a:xfrm>
+      </p:grpSpPr>
+      <p:sp>
+        <p:nvSpPr>
+          <p:cNvPr id="2" name="Title 1"/>
+          <p:cNvSpPr>
+            <a:spLocks noGrp="1"/>
+          </p:cNvSpPr>
+          <p:nvPr>
+            <p:ph type="title"/>
+          </p:nvPr>
+        </p:nvSpPr>
+        <p:spPr>
+          <a:xfrm>
+            <a:off x="1476633" y="2141837"/>
+            <a:ext cx="10131425" cy="1456267"/>
+          </a:xfrm>
+        </p:spPr>
+        <p:txBody>
+          <a:bodyPr>
+            <a:normAutofit/>
+          </a:bodyPr>
+          <a:lstStyle/>
+          <a:p>
+            <a:pPr algn="ctr"/>
+            <a:r>
+              <a:rPr lang="en-US" sz="4800" dirty="0" smtClean="0"/>
+              <a:t>Scrum </a:t>
+            </a:r>
+            <a:r>
+              <a:rPr lang="en-US" sz="4800" dirty="0" smtClean="0"/>
+              <a:t>BOARD</a:t>
             </a:r>
             <a:endParaRPr lang="en-US" sz="4800" dirty="0"/>
           </a:p>
@@ -6090,7 +6465,68 @@
 </p:sld>
 </file>
 
-<file path=ppt/slides/slide12.xml><?xml version="1.0" encoding="utf-8"?>
+<file path=ppt/slides/slide16.xml><?xml version="1.0" encoding="utf-8"?>
+<p:sld xmlns:a="http://schemas.openxmlformats.org/drawingml/2006/main" xmlns:r="http://schemas.openxmlformats.org/officeDocument/2006/relationships" xmlns:p="http://schemas.openxmlformats.org/presentationml/2006/main">
+  <p:cSld>
+    <p:spTree>
+      <p:nvGrpSpPr>
+        <p:cNvPr id="1" name=""/>
+        <p:cNvGrpSpPr/>
+        <p:nvPr/>
+      </p:nvGrpSpPr>
+      <p:grpSpPr>
+        <a:xfrm>
+          <a:off x="0" y="0"/>
+          <a:ext cx="0" cy="0"/>
+          <a:chOff x="0" y="0"/>
+          <a:chExt cx="0" cy="0"/>
+        </a:xfrm>
+      </p:grpSpPr>
+      <p:pic>
+        <p:nvPicPr>
+          <p:cNvPr id="4" name="Picture 3"/>
+          <p:cNvPicPr>
+            <a:picLocks noChangeAspect="1"/>
+          </p:cNvPicPr>
+          <p:nvPr/>
+        </p:nvPicPr>
+        <p:blipFill>
+          <a:blip r:embed="rId2"/>
+          <a:stretch>
+            <a:fillRect/>
+          </a:stretch>
+        </p:blipFill>
+        <p:spPr>
+          <a:xfrm>
+            <a:off x="328634" y="766119"/>
+            <a:ext cx="11413482" cy="5128054"/>
+          </a:xfrm>
+          <a:prstGeom prst="rect">
+            <a:avLst/>
+          </a:prstGeom>
+        </p:spPr>
+      </p:pic>
+    </p:spTree>
+    <p:extLst>
+      <p:ext uri="{BB962C8B-B14F-4D97-AF65-F5344CB8AC3E}">
+        <p14:creationId xmlns:p14="http://schemas.microsoft.com/office/powerpoint/2010/main" val="793118351"/>
+      </p:ext>
+    </p:extLst>
+  </p:cSld>
+  <p:clrMapOvr>
+    <a:masterClrMapping/>
+  </p:clrMapOvr>
+  <p:timing>
+    <p:tnLst>
+      <p:par>
+        <p:cTn id="1" dur="indefinite" restart="never" nodeType="tmRoot"/>
+      </p:par>
+    </p:tnLst>
+  </p:timing>
+</p:sld>
+</file>
+
+<file path=ppt/slides/slide17.xml><?xml version="1.0" encoding="utf-8"?>
 <p:sld xmlns:a="http://schemas.openxmlformats.org/drawingml/2006/main" xmlns:r="http://schemas.openxmlformats.org/officeDocument/2006/relationships" xmlns:p="http://schemas.openxmlformats.org/presentationml/2006/main">
   <p:cSld>
     <p:spTree>
@@ -6599,6 +7035,141 @@
       </p:grpSpPr>
       <p:pic>
         <p:nvPicPr>
+          <p:cNvPr id="4" name="Picture 3"/>
+          <p:cNvPicPr>
+            <a:picLocks noChangeAspect="1"/>
+          </p:cNvPicPr>
+          <p:nvPr/>
+        </p:nvPicPr>
+        <p:blipFill>
+          <a:blip r:embed="rId2">
+            <a:extLst>
+              <a:ext uri="{28A0092B-C50C-407E-A947-70E740481C1C}">
+                <a14:useLocalDpi xmlns:a14="http://schemas.microsoft.com/office/drawing/2010/main" val="0"/>
+              </a:ext>
+            </a:extLst>
+          </a:blip>
+          <a:stretch>
+            <a:fillRect/>
+          </a:stretch>
+        </p:blipFill>
+        <p:spPr>
+          <a:xfrm>
+            <a:off x="1105524" y="67095"/>
+            <a:ext cx="9980952" cy="6723809"/>
+          </a:xfrm>
+          <a:prstGeom prst="rect">
+            <a:avLst/>
+          </a:prstGeom>
+        </p:spPr>
+      </p:pic>
+    </p:spTree>
+    <p:extLst>
+      <p:ext uri="{BB962C8B-B14F-4D97-AF65-F5344CB8AC3E}">
+        <p14:creationId xmlns:p14="http://schemas.microsoft.com/office/powerpoint/2010/main" val="1850236252"/>
+      </p:ext>
+    </p:extLst>
+  </p:cSld>
+  <p:clrMapOvr>
+    <a:masterClrMapping/>
+  </p:clrMapOvr>
+  <p:timing>
+    <p:tnLst>
+      <p:par>
+        <p:cTn id="1" dur="indefinite" restart="never" nodeType="tmRoot"/>
+      </p:par>
+    </p:tnLst>
+  </p:timing>
+</p:sld>
+</file>
+
+<file path=ppt/slides/slide4.xml><?xml version="1.0" encoding="utf-8"?>
+<p:sld xmlns:a="http://schemas.openxmlformats.org/drawingml/2006/main" xmlns:r="http://schemas.openxmlformats.org/officeDocument/2006/relationships" xmlns:p="http://schemas.openxmlformats.org/presentationml/2006/main">
+  <p:cSld>
+    <p:spTree>
+      <p:nvGrpSpPr>
+        <p:cNvPr id="1" name=""/>
+        <p:cNvGrpSpPr/>
+        <p:nvPr/>
+      </p:nvGrpSpPr>
+      <p:grpSpPr>
+        <a:xfrm>
+          <a:off x="0" y="0"/>
+          <a:ext cx="0" cy="0"/>
+          <a:chOff x="0" y="0"/>
+          <a:chExt cx="0" cy="0"/>
+        </a:xfrm>
+      </p:grpSpPr>
+      <p:sp>
+        <p:nvSpPr>
+          <p:cNvPr id="2" name="Title 1"/>
+          <p:cNvSpPr>
+            <a:spLocks noGrp="1"/>
+          </p:cNvSpPr>
+          <p:nvPr>
+            <p:ph type="title"/>
+          </p:nvPr>
+        </p:nvSpPr>
+        <p:spPr>
+          <a:xfrm>
+            <a:off x="1476633" y="2141837"/>
+            <a:ext cx="10131425" cy="1456267"/>
+          </a:xfrm>
+        </p:spPr>
+        <p:txBody>
+          <a:bodyPr>
+            <a:normAutofit/>
+          </a:bodyPr>
+          <a:lstStyle/>
+          <a:p>
+            <a:pPr algn="ctr"/>
+            <a:r>
+              <a:rPr lang="en-US" sz="4800" dirty="0" smtClean="0"/>
+              <a:t>Class Diagrams</a:t>
+            </a:r>
+            <a:endParaRPr lang="en-US" sz="4800" dirty="0"/>
+          </a:p>
+        </p:txBody>
+      </p:sp>
+    </p:spTree>
+    <p:extLst>
+      <p:ext uri="{BB962C8B-B14F-4D97-AF65-F5344CB8AC3E}">
+        <p14:creationId xmlns:p14="http://schemas.microsoft.com/office/powerpoint/2010/main" val="205527993"/>
+      </p:ext>
+    </p:extLst>
+  </p:cSld>
+  <p:clrMapOvr>
+    <a:masterClrMapping/>
+  </p:clrMapOvr>
+  <p:timing>
+    <p:tnLst>
+      <p:par>
+        <p:cTn id="1" dur="indefinite" restart="never" nodeType="tmRoot"/>
+      </p:par>
+    </p:tnLst>
+  </p:timing>
+</p:sld>
+</file>
+
+<file path=ppt/slides/slide5.xml><?xml version="1.0" encoding="utf-8"?>
+<p:sld xmlns:a="http://schemas.openxmlformats.org/drawingml/2006/main" xmlns:r="http://schemas.openxmlformats.org/officeDocument/2006/relationships" xmlns:p="http://schemas.openxmlformats.org/presentationml/2006/main">
+  <p:cSld>
+    <p:spTree>
+      <p:nvGrpSpPr>
+        <p:cNvPr id="1" name=""/>
+        <p:cNvGrpSpPr/>
+        <p:nvPr/>
+      </p:nvGrpSpPr>
+      <p:grpSpPr>
+        <a:xfrm>
+          <a:off x="0" y="0"/>
+          <a:ext cx="0" cy="0"/>
+          <a:chOff x="0" y="0"/>
+          <a:chExt cx="0" cy="0"/>
+        </a:xfrm>
+      </p:grpSpPr>
+      <p:pic>
+        <p:nvPicPr>
           <p:cNvPr id="7" name="Picture 6"/>
           <p:cNvPicPr>
             <a:picLocks noChangeAspect="1"/>
@@ -6691,7 +7262,7 @@
 </p:sld>
 </file>
 
-<file path=ppt/slides/slide4.xml><?xml version="1.0" encoding="utf-8"?>
+<file path=ppt/slides/slide6.xml><?xml version="1.0" encoding="utf-8"?>
 <p:sld xmlns:a="http://schemas.openxmlformats.org/drawingml/2006/main" xmlns:r="http://schemas.openxmlformats.org/officeDocument/2006/relationships" xmlns:p="http://schemas.openxmlformats.org/presentationml/2006/main">
   <p:cSld>
     <p:spTree>
@@ -6802,7 +7373,7 @@
 </p:sld>
 </file>
 
-<file path=ppt/slides/slide5.xml><?xml version="1.0" encoding="utf-8"?>
+<file path=ppt/slides/slide7.xml><?xml version="1.0" encoding="utf-8"?>
 <p:sld xmlns:a="http://schemas.openxmlformats.org/drawingml/2006/main" xmlns:r="http://schemas.openxmlformats.org/officeDocument/2006/relationships" xmlns:p="http://schemas.openxmlformats.org/presentationml/2006/main">
   <p:cSld>
     <p:spTree>
@@ -6913,111 +7484,6 @@
 </p:sld>
 </file>
 
-<file path=ppt/slides/slide6.xml><?xml version="1.0" encoding="utf-8"?>
-<p:sld xmlns:a="http://schemas.openxmlformats.org/drawingml/2006/main" xmlns:r="http://schemas.openxmlformats.org/officeDocument/2006/relationships" xmlns:p="http://schemas.openxmlformats.org/presentationml/2006/main">
-  <p:cSld>
-    <p:spTree>
-      <p:nvGrpSpPr>
-        <p:cNvPr id="1" name=""/>
-        <p:cNvGrpSpPr/>
-        <p:nvPr/>
-      </p:nvGrpSpPr>
-      <p:grpSpPr>
-        <a:xfrm>
-          <a:off x="0" y="0"/>
-          <a:ext cx="0" cy="0"/>
-          <a:chOff x="0" y="0"/>
-          <a:chExt cx="0" cy="0"/>
-        </a:xfrm>
-      </p:grpSpPr>
-    </p:spTree>
-    <p:extLst>
-      <p:ext uri="{BB962C8B-B14F-4D97-AF65-F5344CB8AC3E}">
-        <p14:creationId xmlns:p14="http://schemas.microsoft.com/office/powerpoint/2010/main" val="1788292155"/>
-      </p:ext>
-    </p:extLst>
-  </p:cSld>
-  <p:clrMapOvr>
-    <a:masterClrMapping/>
-  </p:clrMapOvr>
-  <p:timing>
-    <p:tnLst>
-      <p:par>
-        <p:cTn id="1" dur="indefinite" restart="never" nodeType="tmRoot"/>
-      </p:par>
-    </p:tnLst>
-  </p:timing>
-</p:sld>
-</file>
-
-<file path=ppt/slides/slide7.xml><?xml version="1.0" encoding="utf-8"?>
-<p:sld xmlns:a="http://schemas.openxmlformats.org/drawingml/2006/main" xmlns:r="http://schemas.openxmlformats.org/officeDocument/2006/relationships" xmlns:p="http://schemas.openxmlformats.org/presentationml/2006/main">
-  <p:cSld>
-    <p:spTree>
-      <p:nvGrpSpPr>
-        <p:cNvPr id="1" name=""/>
-        <p:cNvGrpSpPr/>
-        <p:nvPr/>
-      </p:nvGrpSpPr>
-      <p:grpSpPr>
-        <a:xfrm>
-          <a:off x="0" y="0"/>
-          <a:ext cx="0" cy="0"/>
-          <a:chOff x="0" y="0"/>
-          <a:chExt cx="0" cy="0"/>
-        </a:xfrm>
-      </p:grpSpPr>
-      <p:sp>
-        <p:nvSpPr>
-          <p:cNvPr id="2" name="Title 1"/>
-          <p:cNvSpPr>
-            <a:spLocks noGrp="1"/>
-          </p:cNvSpPr>
-          <p:nvPr>
-            <p:ph type="title"/>
-          </p:nvPr>
-        </p:nvSpPr>
-        <p:spPr>
-          <a:xfrm>
-            <a:off x="1476633" y="2141837"/>
-            <a:ext cx="10131425" cy="1456267"/>
-          </a:xfrm>
-        </p:spPr>
-        <p:txBody>
-          <a:bodyPr>
-            <a:normAutofit/>
-          </a:bodyPr>
-          <a:lstStyle/>
-          <a:p>
-            <a:pPr algn="ctr"/>
-            <a:r>
-              <a:rPr lang="en-US" sz="4800" dirty="0" smtClean="0"/>
-              <a:t>Class Diagrams</a:t>
-            </a:r>
-            <a:endParaRPr lang="en-US" sz="4800" dirty="0"/>
-          </a:p>
-        </p:txBody>
-      </p:sp>
-    </p:spTree>
-    <p:extLst>
-      <p:ext uri="{BB962C8B-B14F-4D97-AF65-F5344CB8AC3E}">
-        <p14:creationId xmlns:p14="http://schemas.microsoft.com/office/powerpoint/2010/main" val="205527993"/>
-      </p:ext>
-    </p:extLst>
-  </p:cSld>
-  <p:clrMapOvr>
-    <a:masterClrMapping/>
-  </p:clrMapOvr>
-  <p:timing>
-    <p:tnLst>
-      <p:par>
-        <p:cTn id="1" dur="indefinite" restart="never" nodeType="tmRoot"/>
-      </p:par>
-    </p:tnLst>
-  </p:timing>
-</p:sld>
-</file>
-
 <file path=ppt/slides/slide8.xml><?xml version="1.0" encoding="utf-8"?>
 <p:sld xmlns:a="http://schemas.openxmlformats.org/drawingml/2006/main" xmlns:r="http://schemas.openxmlformats.org/officeDocument/2006/relationships" xmlns:p="http://schemas.openxmlformats.org/presentationml/2006/main">
   <p:cSld>
@@ -7035,41 +7501,84 @@
           <a:chExt cx="0" cy="0"/>
         </a:xfrm>
       </p:grpSpPr>
-      <p:sp>
-        <p:nvSpPr>
-          <p:cNvPr id="2" name="Title 1"/>
-          <p:cNvSpPr>
-            <a:spLocks noGrp="1"/>
-          </p:cNvSpPr>
-          <p:nvPr>
-            <p:ph type="title"/>
-          </p:nvPr>
-        </p:nvSpPr>
-        <p:spPr>
-          <a:xfrm>
-            <a:off x="1476633" y="2141837"/>
-            <a:ext cx="10131425" cy="1456267"/>
-          </a:xfrm>
-        </p:spPr>
-        <p:txBody>
-          <a:bodyPr>
-            <a:normAutofit/>
-          </a:bodyPr>
+      <p:pic>
+        <p:nvPicPr>
+          <p:cNvPr id="2" name="Picture 1"/>
+          <p:cNvPicPr>
+            <a:picLocks noChangeAspect="1"/>
+          </p:cNvPicPr>
+          <p:nvPr/>
+        </p:nvPicPr>
+        <p:blipFill>
+          <a:blip r:embed="rId2">
+            <a:extLst>
+              <a:ext uri="{28A0092B-C50C-407E-A947-70E740481C1C}">
+                <a14:useLocalDpi xmlns:a14="http://schemas.microsoft.com/office/drawing/2010/main" val="0"/>
+              </a:ext>
+            </a:extLst>
+          </a:blip>
+          <a:stretch>
+            <a:fillRect/>
+          </a:stretch>
+        </p:blipFill>
+        <p:spPr>
+          <a:xfrm>
+            <a:off x="328187" y="704336"/>
+            <a:ext cx="11170361" cy="5498756"/>
+          </a:xfrm>
+          <a:prstGeom prst="rect">
+            <a:avLst/>
+          </a:prstGeom>
+        </p:spPr>
+      </p:pic>
+      <p:sp>
+        <p:nvSpPr>
+          <p:cNvPr id="5" name="Rounded Rectangle 4"/>
+          <p:cNvSpPr/>
+          <p:nvPr/>
+        </p:nvSpPr>
+        <p:spPr>
+          <a:xfrm>
+            <a:off x="672364" y="1053071"/>
+            <a:ext cx="3207657" cy="435429"/>
+          </a:xfrm>
+          <a:prstGeom prst="roundRect">
+            <a:avLst/>
+          </a:prstGeom>
+        </p:spPr>
+        <p:style>
+          <a:lnRef idx="2">
+            <a:schemeClr val="accent1">
+              <a:shade val="50000"/>
+            </a:schemeClr>
+          </a:lnRef>
+          <a:fillRef idx="1">
+            <a:schemeClr val="accent1"/>
+          </a:fillRef>
+          <a:effectRef idx="0">
+            <a:schemeClr val="accent1"/>
+          </a:effectRef>
+          <a:fontRef idx="minor">
+            <a:schemeClr val="lt1"/>
+          </a:fontRef>
+        </p:style>
+        <p:txBody>
+          <a:bodyPr rtlCol="0" anchor="ctr"/>
           <a:lstStyle/>
           <a:p>
             <a:pPr algn="ctr"/>
             <a:r>
-              <a:rPr lang="en-US" sz="4800" dirty="0" smtClean="0"/>
-              <a:t>Activity Diagrams</a:t>
-            </a:r>
-            <a:endParaRPr lang="en-US" sz="4800" dirty="0"/>
+              <a:rPr lang="en-US" dirty="0" err="1" smtClean="0"/>
+              <a:t>PrototypePattern</a:t>
+            </a:r>
+            <a:endParaRPr lang="en-US" dirty="0"/>
           </a:p>
         </p:txBody>
       </p:sp>
     </p:spTree>
     <p:extLst>
       <p:ext uri="{BB962C8B-B14F-4D97-AF65-F5344CB8AC3E}">
-        <p14:creationId xmlns:p14="http://schemas.microsoft.com/office/powerpoint/2010/main" val="817215350"/>
+        <p14:creationId xmlns:p14="http://schemas.microsoft.com/office/powerpoint/2010/main" val="1788292155"/>
       </p:ext>
     </p:extLst>
   </p:cSld>
@@ -7128,7 +7637,7 @@
             <a:pPr algn="ctr"/>
             <a:r>
               <a:rPr lang="en-US" sz="4800" dirty="0" smtClean="0"/>
-              <a:t>SYSTEM SEQUENCE Diagrams</a:t>
+              <a:t>Activity Diagrams</a:t>
             </a:r>
             <a:endParaRPr lang="en-US" sz="4800" dirty="0"/>
           </a:p>
@@ -7137,7 +7646,7 @@
     </p:spTree>
     <p:extLst>
       <p:ext uri="{BB962C8B-B14F-4D97-AF65-F5344CB8AC3E}">
-        <p14:creationId xmlns:p14="http://schemas.microsoft.com/office/powerpoint/2010/main" val="582024206"/>
+        <p14:creationId xmlns:p14="http://schemas.microsoft.com/office/powerpoint/2010/main" val="817215350"/>
       </p:ext>
     </p:extLst>
   </p:cSld>
